--- a/5.GestionDotaciones/CompraControlada/ARBOL COMPRA CENTRALIZADQ.pptx
+++ b/5.GestionDotaciones/CompraControlada/ARBOL COMPRA CENTRALIZADQ.pptx
@@ -113,7 +113,12 @@
             <a:srgbClr val="A4A3A4"/>
           </p15:clr>
         </p15:guide>
-        <p15:guide id="2" pos="3840">
+        <p15:guide id="2" pos="7151" userDrawn="1">
+          <p15:clr>
+            <a:srgbClr val="A4A3A4"/>
+          </p15:clr>
+        </p15:guide>
+        <p15:guide id="3" pos="529" userDrawn="1">
           <p15:clr>
             <a:srgbClr val="A4A3A4"/>
           </p15:clr>
@@ -274,7 +279,7 @@
             <a:fld id="{08845ADE-EF38-4850-ABB6-A823ED166173}" type="datetimeFigureOut">
               <a:rPr lang="es-CO" smtClean="0"/>
               <a:pPr/>
-              <a:t>7/03/19</a:t>
+              <a:t>7/03/2019</a:t>
             </a:fld>
             <a:endParaRPr lang="es-CO"/>
           </a:p>
@@ -476,7 +481,7 @@
             <a:fld id="{08845ADE-EF38-4850-ABB6-A823ED166173}" type="datetimeFigureOut">
               <a:rPr lang="es-CO" smtClean="0"/>
               <a:pPr/>
-              <a:t>7/03/19</a:t>
+              <a:t>7/03/2019</a:t>
             </a:fld>
             <a:endParaRPr lang="es-CO"/>
           </a:p>
@@ -688,7 +693,7 @@
             <a:fld id="{08845ADE-EF38-4850-ABB6-A823ED166173}" type="datetimeFigureOut">
               <a:rPr lang="es-CO" smtClean="0"/>
               <a:pPr/>
-              <a:t>7/03/19</a:t>
+              <a:t>7/03/2019</a:t>
             </a:fld>
             <a:endParaRPr lang="es-CO"/>
           </a:p>
@@ -890,7 +895,7 @@
             <a:fld id="{08845ADE-EF38-4850-ABB6-A823ED166173}" type="datetimeFigureOut">
               <a:rPr lang="es-CO" smtClean="0"/>
               <a:pPr/>
-              <a:t>7/03/19</a:t>
+              <a:t>7/03/2019</a:t>
             </a:fld>
             <a:endParaRPr lang="es-CO"/>
           </a:p>
@@ -1168,7 +1173,7 @@
             <a:fld id="{08845ADE-EF38-4850-ABB6-A823ED166173}" type="datetimeFigureOut">
               <a:rPr lang="es-CO" smtClean="0"/>
               <a:pPr/>
-              <a:t>7/03/19</a:t>
+              <a:t>7/03/2019</a:t>
             </a:fld>
             <a:endParaRPr lang="es-CO"/>
           </a:p>
@@ -1438,7 +1443,7 @@
             <a:fld id="{08845ADE-EF38-4850-ABB6-A823ED166173}" type="datetimeFigureOut">
               <a:rPr lang="es-CO" smtClean="0"/>
               <a:pPr/>
-              <a:t>7/03/19</a:t>
+              <a:t>7/03/2019</a:t>
             </a:fld>
             <a:endParaRPr lang="es-CO"/>
           </a:p>
@@ -1855,7 +1860,7 @@
             <a:fld id="{08845ADE-EF38-4850-ABB6-A823ED166173}" type="datetimeFigureOut">
               <a:rPr lang="es-CO" smtClean="0"/>
               <a:pPr/>
-              <a:t>7/03/19</a:t>
+              <a:t>7/03/2019</a:t>
             </a:fld>
             <a:endParaRPr lang="es-CO"/>
           </a:p>
@@ -1999,7 +2004,7 @@
             <a:fld id="{08845ADE-EF38-4850-ABB6-A823ED166173}" type="datetimeFigureOut">
               <a:rPr lang="es-CO" smtClean="0"/>
               <a:pPr/>
-              <a:t>7/03/19</a:t>
+              <a:t>7/03/2019</a:t>
             </a:fld>
             <a:endParaRPr lang="es-CO"/>
           </a:p>
@@ -2114,7 +2119,7 @@
             <a:fld id="{08845ADE-EF38-4850-ABB6-A823ED166173}" type="datetimeFigureOut">
               <a:rPr lang="es-CO" smtClean="0"/>
               <a:pPr/>
-              <a:t>7/03/19</a:t>
+              <a:t>7/03/2019</a:t>
             </a:fld>
             <a:endParaRPr lang="es-CO"/>
           </a:p>
@@ -2429,7 +2434,7 @@
             <a:fld id="{08845ADE-EF38-4850-ABB6-A823ED166173}" type="datetimeFigureOut">
               <a:rPr lang="es-CO" smtClean="0"/>
               <a:pPr/>
-              <a:t>7/03/19</a:t>
+              <a:t>7/03/2019</a:t>
             </a:fld>
             <a:endParaRPr lang="es-CO"/>
           </a:p>
@@ -2720,7 +2725,7 @@
             <a:fld id="{08845ADE-EF38-4850-ABB6-A823ED166173}" type="datetimeFigureOut">
               <a:rPr lang="es-CO" smtClean="0"/>
               <a:pPr/>
-              <a:t>7/03/19</a:t>
+              <a:t>7/03/2019</a:t>
             </a:fld>
             <a:endParaRPr lang="es-CO"/>
           </a:p>
@@ -2965,7 +2970,7 @@
             <a:fld id="{08845ADE-EF38-4850-ABB6-A823ED166173}" type="datetimeFigureOut">
               <a:rPr lang="es-CO" smtClean="0"/>
               <a:pPr/>
-              <a:t>7/03/19</a:t>
+              <a:t>7/03/2019</a:t>
             </a:fld>
             <a:endParaRPr lang="es-CO"/>
           </a:p>
@@ -3827,8 +3832,25 @@
                 <a:latin typeface="Arial" panose="020B0604020202020204" pitchFamily="34" charset="0"/>
                 <a:cs typeface="Arial" panose="020B0604020202020204" pitchFamily="34" charset="0"/>
               </a:rPr>
-              <a:t>CD:  </a:t>
-            </a:r>
+              <a:t>CD</a:t>
+            </a:r>
+            <a:r>
+              <a:rPr lang="es-CO" sz="1200" dirty="0" smtClean="0">
+                <a:solidFill>
+                  <a:schemeClr val="tx1"/>
+                </a:solidFill>
+                <a:latin typeface="Arial" panose="020B0604020202020204" pitchFamily="34" charset="0"/>
+                <a:cs typeface="Arial" panose="020B0604020202020204" pitchFamily="34" charset="0"/>
+              </a:rPr>
+              <a:t>: Baja calidad de la dotación adquirida para la atención a la primera infancia  </a:t>
+            </a:r>
+            <a:endParaRPr lang="es-CO" sz="1200" dirty="0">
+              <a:solidFill>
+                <a:schemeClr val="tx1"/>
+              </a:solidFill>
+              <a:latin typeface="Arial" panose="020B0604020202020204" pitchFamily="34" charset="0"/>
+              <a:cs typeface="Arial" panose="020B0604020202020204" pitchFamily="34" charset="0"/>
+            </a:endParaRPr>
           </a:p>
         </p:txBody>
       </p:sp>
@@ -4141,8 +4163,25 @@
                 <a:latin typeface="Arial" panose="020B0604020202020204" pitchFamily="34" charset="0"/>
                 <a:cs typeface="Arial" panose="020B0604020202020204" pitchFamily="34" charset="0"/>
               </a:rPr>
-              <a:t>CD: Bajo seguimiento </a:t>
-            </a:r>
+              <a:t>CD: </a:t>
+            </a:r>
+            <a:r>
+              <a:rPr lang="es-CO" sz="1200" dirty="0" smtClean="0">
+                <a:solidFill>
+                  <a:schemeClr val="tx1"/>
+                </a:solidFill>
+                <a:latin typeface="Arial" panose="020B0604020202020204" pitchFamily="34" charset="0"/>
+                <a:cs typeface="Arial" panose="020B0604020202020204" pitchFamily="34" charset="0"/>
+              </a:rPr>
+              <a:t>Bajo conocimiento técnico del talento humano en regionales y centros zonales para la adquisición de dotación para la primera infancia</a:t>
+            </a:r>
+            <a:endParaRPr lang="es-CO" sz="1200" dirty="0">
+              <a:solidFill>
+                <a:schemeClr val="tx1"/>
+              </a:solidFill>
+              <a:latin typeface="Arial" panose="020B0604020202020204" pitchFamily="34" charset="0"/>
+              <a:cs typeface="Arial" panose="020B0604020202020204" pitchFamily="34" charset="0"/>
+            </a:endParaRPr>
           </a:p>
         </p:txBody>
       </p:sp>
@@ -4266,8 +4305,35 @@
                 <a:latin typeface="Arial" panose="020B0604020202020204" pitchFamily="34" charset="0"/>
                 <a:cs typeface="Arial" panose="020B0604020202020204" pitchFamily="34" charset="0"/>
               </a:rPr>
-              <a:t>ED: Deficiente ejecucion presupuestal </a:t>
-            </a:r>
+              <a:t>ED: </a:t>
+            </a:r>
+            <a:r>
+              <a:rPr lang="es-CO" sz="1200" dirty="0" smtClean="0">
+                <a:solidFill>
+                  <a:schemeClr val="tx1"/>
+                </a:solidFill>
+                <a:latin typeface="Arial" panose="020B0604020202020204" pitchFamily="34" charset="0"/>
+                <a:cs typeface="Arial" panose="020B0604020202020204" pitchFamily="34" charset="0"/>
+              </a:rPr>
+              <a:t>Bajo conocimiento de la destinación de recursos asignados para la primera infancia</a:t>
+            </a:r>
+            <a:r>
+              <a:rPr lang="es-CO" sz="1200" dirty="0" smtClean="0">
+                <a:solidFill>
+                  <a:schemeClr val="tx1"/>
+                </a:solidFill>
+                <a:latin typeface="Arial" panose="020B0604020202020204" pitchFamily="34" charset="0"/>
+                <a:cs typeface="Arial" panose="020B0604020202020204" pitchFamily="34" charset="0"/>
+              </a:rPr>
+              <a:t> </a:t>
+            </a:r>
+            <a:endParaRPr lang="es-CO" sz="1200" dirty="0">
+              <a:solidFill>
+                <a:schemeClr val="tx1"/>
+              </a:solidFill>
+              <a:latin typeface="Arial" panose="020B0604020202020204" pitchFamily="34" charset="0"/>
+              <a:cs typeface="Arial" panose="020B0604020202020204" pitchFamily="34" charset="0"/>
+            </a:endParaRPr>
           </a:p>
         </p:txBody>
       </p:sp>
@@ -4379,8 +4445,8 @@
         </p:nvSpPr>
         <p:spPr>
           <a:xfrm>
-            <a:off x="812800" y="2514600"/>
-            <a:ext cx="10617200" cy="863600"/>
+            <a:off x="839788" y="2997200"/>
+            <a:ext cx="10501312" cy="863600"/>
           </a:xfrm>
           <a:prstGeom prst="roundRect">
             <a:avLst/>
@@ -4455,8 +4521,8 @@
         </p:nvSpPr>
         <p:spPr>
           <a:xfrm>
-            <a:off x="812799" y="3440388"/>
-            <a:ext cx="10577443" cy="316604"/>
+            <a:off x="841514" y="3922988"/>
+            <a:ext cx="10524986" cy="316604"/>
           </a:xfrm>
           <a:prstGeom prst="roundRect">
             <a:avLst/>
@@ -4516,8 +4582,8 @@
         </p:nvSpPr>
         <p:spPr>
           <a:xfrm>
-            <a:off x="792922" y="3807792"/>
-            <a:ext cx="10617200" cy="386521"/>
+            <a:off x="841514" y="4290392"/>
+            <a:ext cx="10512286" cy="386521"/>
           </a:xfrm>
           <a:prstGeom prst="roundRect">
             <a:avLst/>
@@ -4580,8 +4646,8 @@
         </p:nvSpPr>
         <p:spPr>
           <a:xfrm>
-            <a:off x="894522" y="2095500"/>
-            <a:ext cx="10535478" cy="329648"/>
+            <a:off x="839788" y="2578100"/>
+            <a:ext cx="10512425" cy="329648"/>
           </a:xfrm>
           <a:prstGeom prst="roundRect">
             <a:avLst/>
@@ -4641,8 +4707,8 @@
         </p:nvSpPr>
         <p:spPr>
           <a:xfrm rot="16200000">
-            <a:off x="-353115" y="4099615"/>
-            <a:ext cx="1614557" cy="324125"/>
+            <a:off x="-752168" y="4981267"/>
+            <a:ext cx="2412663" cy="324125"/>
           </a:xfrm>
           <a:prstGeom prst="roundRect">
             <a:avLst/>
@@ -4704,8 +4770,8 @@
         </p:nvSpPr>
         <p:spPr>
           <a:xfrm rot="16200000">
-            <a:off x="-297896" y="1484519"/>
-            <a:ext cx="1543876" cy="363882"/>
+            <a:off x="-668543" y="1596473"/>
+            <a:ext cx="2285169" cy="363882"/>
           </a:xfrm>
           <a:prstGeom prst="roundRect">
             <a:avLst/>
@@ -4767,8 +4833,8 @@
         </p:nvSpPr>
         <p:spPr>
           <a:xfrm>
-            <a:off x="806172" y="4248766"/>
-            <a:ext cx="10577443" cy="316604"/>
+            <a:off x="838200" y="4731366"/>
+            <a:ext cx="10545415" cy="316604"/>
           </a:xfrm>
           <a:prstGeom prst="roundRect">
             <a:avLst/>
@@ -4809,17 +4875,17 @@
                 <a:latin typeface="Arial" panose="020B0604020202020204" pitchFamily="34" charset="0"/>
                 <a:cs typeface="Arial" panose="020B0604020202020204" pitchFamily="34" charset="0"/>
               </a:rPr>
-              <a:t>CD: Mejorar la  dotación para la atención </a:t>
-            </a:r>
-            <a:r>
-              <a:rPr lang="es-CO" sz="1200" dirty="0" err="1">
+              <a:t>CD: </a:t>
+            </a:r>
+            <a:r>
+              <a:rPr lang="es-CO" sz="1200" dirty="0" smtClean="0">
                 <a:solidFill>
                   <a:schemeClr val="tx1"/>
                 </a:solidFill>
                 <a:latin typeface="Arial" panose="020B0604020202020204" pitchFamily="34" charset="0"/>
                 <a:cs typeface="Arial" panose="020B0604020202020204" pitchFamily="34" charset="0"/>
               </a:rPr>
-              <a:t>intergral</a:t>
+              <a:t>Aumentar </a:t>
             </a:r>
             <a:r>
               <a:rPr lang="es-CO" sz="1200" dirty="0">
@@ -4829,7 +4895,47 @@
                 <a:latin typeface="Arial" panose="020B0604020202020204" pitchFamily="34" charset="0"/>
                 <a:cs typeface="Arial" panose="020B0604020202020204" pitchFamily="34" charset="0"/>
               </a:rPr>
-              <a:t> de la primera infancia</a:t>
+              <a:t>la </a:t>
+            </a:r>
+            <a:r>
+              <a:rPr lang="es-CO" sz="1200" dirty="0" smtClean="0">
+                <a:solidFill>
+                  <a:schemeClr val="tx1"/>
+                </a:solidFill>
+                <a:latin typeface="Arial" panose="020B0604020202020204" pitchFamily="34" charset="0"/>
+                <a:cs typeface="Arial" panose="020B0604020202020204" pitchFamily="34" charset="0"/>
+              </a:rPr>
+              <a:t>calidad de la </a:t>
+            </a:r>
+            <a:r>
+              <a:rPr lang="es-CO" sz="1200" dirty="0">
+                <a:solidFill>
+                  <a:schemeClr val="tx1"/>
+                </a:solidFill>
+                <a:latin typeface="Arial" panose="020B0604020202020204" pitchFamily="34" charset="0"/>
+                <a:cs typeface="Arial" panose="020B0604020202020204" pitchFamily="34" charset="0"/>
+              </a:rPr>
+              <a:t>dotación para la atención </a:t>
+            </a:r>
+            <a:r>
+              <a:rPr lang="es-CO" sz="1200" dirty="0" smtClean="0">
+                <a:solidFill>
+                  <a:schemeClr val="tx1"/>
+                </a:solidFill>
+                <a:latin typeface="Arial" panose="020B0604020202020204" pitchFamily="34" charset="0"/>
+                <a:cs typeface="Arial" panose="020B0604020202020204" pitchFamily="34" charset="0"/>
+              </a:rPr>
+              <a:t>integral </a:t>
+            </a:r>
+            <a:r>
+              <a:rPr lang="es-CO" sz="1200" dirty="0">
+                <a:solidFill>
+                  <a:schemeClr val="tx1"/>
+                </a:solidFill>
+                <a:latin typeface="Arial" panose="020B0604020202020204" pitchFamily="34" charset="0"/>
+                <a:cs typeface="Arial" panose="020B0604020202020204" pitchFamily="34" charset="0"/>
+              </a:rPr>
+              <a:t>de la primera infancia</a:t>
             </a:r>
           </a:p>
         </p:txBody>
@@ -4848,8 +4954,8 @@
         </p:nvSpPr>
         <p:spPr>
           <a:xfrm>
-            <a:off x="746539" y="4636052"/>
-            <a:ext cx="10617200" cy="386521"/>
+            <a:off x="839787" y="5118652"/>
+            <a:ext cx="10523951" cy="386521"/>
           </a:xfrm>
           <a:prstGeom prst="roundRect">
             <a:avLst/>
@@ -4912,8 +5018,8 @@
         </p:nvSpPr>
         <p:spPr>
           <a:xfrm>
-            <a:off x="868018" y="1691308"/>
-            <a:ext cx="10535478" cy="329648"/>
+            <a:off x="839788" y="2199308"/>
+            <a:ext cx="10501312" cy="329648"/>
           </a:xfrm>
           <a:prstGeom prst="roundRect">
             <a:avLst/>
@@ -4957,14 +5063,14 @@
               <a:t>ED: Mejorar el  desarrollo emocional, cognitivo, físico y nutricional el NNA de la </a:t>
             </a:r>
             <a:r>
-              <a:rPr lang="es-CO" sz="1200" dirty="0" err="1">
+              <a:rPr lang="es-CO" sz="1200" dirty="0" smtClean="0">
                 <a:solidFill>
                   <a:schemeClr val="tx1"/>
                 </a:solidFill>
                 <a:latin typeface="Arial" panose="020B0604020202020204" pitchFamily="34" charset="0"/>
                 <a:cs typeface="Arial" panose="020B0604020202020204" pitchFamily="34" charset="0"/>
               </a:rPr>
-              <a:t>priemra</a:t>
+              <a:t>primera </a:t>
             </a:r>
             <a:r>
               <a:rPr lang="es-CO" sz="1200" dirty="0">
@@ -4974,7 +5080,7 @@
                 <a:latin typeface="Arial" panose="020B0604020202020204" pitchFamily="34" charset="0"/>
                 <a:cs typeface="Arial" panose="020B0604020202020204" pitchFamily="34" charset="0"/>
               </a:rPr>
-              <a:t> infancia</a:t>
+              <a:t>infancia</a:t>
             </a:r>
           </a:p>
         </p:txBody>
@@ -4993,7 +5099,71 @@
         </p:nvSpPr>
         <p:spPr>
           <a:xfrm>
-            <a:off x="868018" y="1273866"/>
+            <a:off x="868018" y="1426266"/>
+            <a:ext cx="10498482" cy="329648"/>
+          </a:xfrm>
+          <a:prstGeom prst="roundRect">
+            <a:avLst/>
+          </a:prstGeom>
+          <a:solidFill>
+            <a:schemeClr val="accent5">
+              <a:lumMod val="40000"/>
+              <a:lumOff val="60000"/>
+            </a:schemeClr>
+          </a:solidFill>
+          <a:ln>
+            <a:noFill/>
+          </a:ln>
+        </p:spPr>
+        <p:style>
+          <a:lnRef idx="2">
+            <a:schemeClr val="accent1">
+              <a:shade val="50000"/>
+            </a:schemeClr>
+          </a:lnRef>
+          <a:fillRef idx="1">
+            <a:schemeClr val="accent1"/>
+          </a:fillRef>
+          <a:effectRef idx="0">
+            <a:schemeClr val="accent1"/>
+          </a:effectRef>
+          <a:fontRef idx="minor">
+            <a:schemeClr val="lt1"/>
+          </a:fontRef>
+        </p:style>
+        <p:txBody>
+          <a:bodyPr rtlCol="0" anchor="ctr"/>
+          <a:lstStyle/>
+          <a:p>
+            <a:pPr algn="ctr"/>
+            <a:r>
+              <a:rPr lang="es-CO" sz="1200" dirty="0">
+                <a:solidFill>
+                  <a:schemeClr val="tx1"/>
+                </a:solidFill>
+                <a:latin typeface="Arial" panose="020B0604020202020204" pitchFamily="34" charset="0"/>
+                <a:cs typeface="Arial" panose="020B0604020202020204" pitchFamily="34" charset="0"/>
+              </a:rPr>
+              <a:t>EI: Disminuir el  riesgo a vulneración de derechos</a:t>
+            </a:r>
+          </a:p>
+        </p:txBody>
+      </p:sp>
+      <p:sp>
+        <p:nvSpPr>
+          <p:cNvPr id="41" name="Rectángulo: esquinas redondeadas 24">
+            <a:extLst>
+              <a:ext uri="{FF2B5EF4-FFF2-40B4-BE49-F238E27FC236}">
+                <a16:creationId xmlns:a16="http://schemas.microsoft.com/office/drawing/2014/main" id="{9ADC28F0-6165-4CBE-8879-874261E26DD4}"/>
+              </a:ext>
+            </a:extLst>
+          </p:cNvPr>
+          <p:cNvSpPr/>
+          <p:nvPr/>
+        </p:nvSpPr>
+        <p:spPr>
+          <a:xfrm>
+            <a:off x="841514" y="1034774"/>
             <a:ext cx="10535478" cy="329648"/>
           </a:xfrm>
           <a:prstGeom prst="roundRect">
@@ -5045,10 +5215,10 @@
       </p:sp>
       <p:sp>
         <p:nvSpPr>
-          <p:cNvPr id="41" name="Rectángulo: esquinas redondeadas 24">
-            <a:extLst>
-              <a:ext uri="{FF2B5EF4-FFF2-40B4-BE49-F238E27FC236}">
-                <a16:creationId xmlns:a16="http://schemas.microsoft.com/office/drawing/2014/main" id="{9ADC28F0-6165-4CBE-8879-874261E26DD4}"/>
+          <p:cNvPr id="13" name="Rectángulo: esquinas redondeadas 7">
+            <a:extLst>
+              <a:ext uri="{FF2B5EF4-FFF2-40B4-BE49-F238E27FC236}">
+                <a16:creationId xmlns:a16="http://schemas.microsoft.com/office/drawing/2014/main" id="{D1AAA13F-3FFB-4D99-AA3B-EF312763E319}"/>
               </a:ext>
             </a:extLst>
           </p:cNvPr>
@@ -5057,7 +5227,267 @@
         </p:nvSpPr>
         <p:spPr>
           <a:xfrm>
-            <a:off x="841514" y="869674"/>
+            <a:off x="838200" y="5575855"/>
+            <a:ext cx="10545415" cy="316604"/>
+          </a:xfrm>
+          <a:prstGeom prst="roundRect">
+            <a:avLst/>
+          </a:prstGeom>
+          <a:solidFill>
+            <a:srgbClr val="FFC000"/>
+          </a:solidFill>
+          <a:ln>
+            <a:noFill/>
+          </a:ln>
+        </p:spPr>
+        <p:style>
+          <a:lnRef idx="2">
+            <a:schemeClr val="accent1">
+              <a:shade val="50000"/>
+            </a:schemeClr>
+          </a:lnRef>
+          <a:fillRef idx="1">
+            <a:schemeClr val="accent1"/>
+          </a:fillRef>
+          <a:effectRef idx="0">
+            <a:schemeClr val="accent1"/>
+          </a:effectRef>
+          <a:fontRef idx="minor">
+            <a:schemeClr val="lt1"/>
+          </a:fontRef>
+        </p:style>
+        <p:txBody>
+          <a:bodyPr rtlCol="0" anchor="ctr"/>
+          <a:lstStyle/>
+          <a:p>
+            <a:pPr algn="ctr"/>
+            <a:r>
+              <a:rPr lang="es-CO" sz="1200" dirty="0">
+                <a:solidFill>
+                  <a:schemeClr val="tx1"/>
+                </a:solidFill>
+                <a:latin typeface="Arial" panose="020B0604020202020204" pitchFamily="34" charset="0"/>
+                <a:cs typeface="Arial" panose="020B0604020202020204" pitchFamily="34" charset="0"/>
+              </a:rPr>
+              <a:t>CD: </a:t>
+            </a:r>
+            <a:r>
+              <a:rPr lang="es-CO" sz="1200" dirty="0" smtClean="0">
+                <a:solidFill>
+                  <a:schemeClr val="tx1"/>
+                </a:solidFill>
+                <a:latin typeface="Arial" panose="020B0604020202020204" pitchFamily="34" charset="0"/>
+                <a:cs typeface="Arial" panose="020B0604020202020204" pitchFamily="34" charset="0"/>
+              </a:rPr>
+              <a:t>Aumentar</a:t>
+            </a:r>
+            <a:r>
+              <a:rPr lang="es-CO" sz="1200" dirty="0" smtClean="0">
+                <a:solidFill>
+                  <a:schemeClr val="tx1"/>
+                </a:solidFill>
+                <a:latin typeface="Arial" panose="020B0604020202020204" pitchFamily="34" charset="0"/>
+                <a:cs typeface="Arial" panose="020B0604020202020204" pitchFamily="34" charset="0"/>
+              </a:rPr>
+              <a:t> </a:t>
+            </a:r>
+            <a:r>
+              <a:rPr lang="es-CO" sz="1200" dirty="0">
+                <a:solidFill>
+                  <a:schemeClr val="tx1"/>
+                </a:solidFill>
+                <a:latin typeface="Arial" panose="020B0604020202020204" pitchFamily="34" charset="0"/>
+                <a:cs typeface="Arial" panose="020B0604020202020204" pitchFamily="34" charset="0"/>
+              </a:rPr>
+              <a:t>conocimiento técnico del talento humano en regionales y centros zonales para la adquisición de dotación para la primera infancia</a:t>
+            </a:r>
+            <a:endParaRPr lang="es-CO" sz="1200" dirty="0">
+              <a:solidFill>
+                <a:schemeClr val="tx1"/>
+              </a:solidFill>
+              <a:latin typeface="Arial" panose="020B0604020202020204" pitchFamily="34" charset="0"/>
+              <a:cs typeface="Arial" panose="020B0604020202020204" pitchFamily="34" charset="0"/>
+            </a:endParaRPr>
+          </a:p>
+        </p:txBody>
+      </p:sp>
+      <p:sp>
+        <p:nvSpPr>
+          <p:cNvPr id="15" name="Rectángulo: esquinas redondeadas 13">
+            <a:extLst>
+              <a:ext uri="{FF2B5EF4-FFF2-40B4-BE49-F238E27FC236}">
+                <a16:creationId xmlns:a16="http://schemas.microsoft.com/office/drawing/2014/main" id="{A3162C36-B620-4C6B-BA05-3F78CEEB3AB2}"/>
+              </a:ext>
+            </a:extLst>
+          </p:cNvPr>
+          <p:cNvSpPr/>
+          <p:nvPr/>
+        </p:nvSpPr>
+        <p:spPr>
+          <a:xfrm>
+            <a:off x="839789" y="5963141"/>
+            <a:ext cx="10523950" cy="386521"/>
+          </a:xfrm>
+          <a:prstGeom prst="roundRect">
+            <a:avLst/>
+          </a:prstGeom>
+          <a:solidFill>
+            <a:schemeClr val="accent4">
+              <a:lumMod val="60000"/>
+              <a:lumOff val="40000"/>
+            </a:schemeClr>
+          </a:solidFill>
+          <a:ln>
+            <a:noFill/>
+          </a:ln>
+        </p:spPr>
+        <p:style>
+          <a:lnRef idx="2">
+            <a:schemeClr val="accent1">
+              <a:shade val="50000"/>
+            </a:schemeClr>
+          </a:lnRef>
+          <a:fillRef idx="1">
+            <a:schemeClr val="accent1"/>
+          </a:fillRef>
+          <a:effectRef idx="0">
+            <a:schemeClr val="accent1"/>
+          </a:effectRef>
+          <a:fontRef idx="minor">
+            <a:schemeClr val="lt1"/>
+          </a:fontRef>
+        </p:style>
+        <p:txBody>
+          <a:bodyPr rtlCol="0" anchor="ctr"/>
+          <a:lstStyle/>
+          <a:p>
+            <a:pPr algn="ctr"/>
+            <a:r>
+              <a:rPr lang="es-CO" sz="1200" dirty="0">
+                <a:solidFill>
+                  <a:schemeClr val="tx1"/>
+                </a:solidFill>
+                <a:latin typeface="Arial" panose="020B0604020202020204" pitchFamily="34" charset="0"/>
+                <a:cs typeface="Arial" panose="020B0604020202020204" pitchFamily="34" charset="0"/>
+              </a:rPr>
+              <a:t>CI: Aumentar el control a los recursos para la adquisicion de dotaciones para la primera infancia</a:t>
+            </a:r>
+          </a:p>
+        </p:txBody>
+      </p:sp>
+      <p:sp>
+        <p:nvSpPr>
+          <p:cNvPr id="16" name="Rectángulo: esquinas redondeadas 24">
+            <a:extLst>
+              <a:ext uri="{FF2B5EF4-FFF2-40B4-BE49-F238E27FC236}">
+                <a16:creationId xmlns:a16="http://schemas.microsoft.com/office/drawing/2014/main" id="{9ADC28F0-6165-4CBE-8879-874261E26DD4}"/>
+              </a:ext>
+            </a:extLst>
+          </p:cNvPr>
+          <p:cNvSpPr/>
+          <p:nvPr/>
+        </p:nvSpPr>
+        <p:spPr>
+          <a:xfrm>
+            <a:off x="839788" y="1813063"/>
+            <a:ext cx="10512425" cy="329648"/>
+          </a:xfrm>
+          <a:prstGeom prst="roundRect">
+            <a:avLst/>
+          </a:prstGeom>
+          <a:solidFill>
+            <a:srgbClr val="00B0F0"/>
+          </a:solidFill>
+          <a:ln>
+            <a:noFill/>
+          </a:ln>
+        </p:spPr>
+        <p:style>
+          <a:lnRef idx="2">
+            <a:schemeClr val="accent1">
+              <a:shade val="50000"/>
+            </a:schemeClr>
+          </a:lnRef>
+          <a:fillRef idx="1">
+            <a:schemeClr val="accent1"/>
+          </a:fillRef>
+          <a:effectRef idx="0">
+            <a:schemeClr val="accent1"/>
+          </a:effectRef>
+          <a:fontRef idx="minor">
+            <a:schemeClr val="lt1"/>
+          </a:fontRef>
+        </p:style>
+        <p:txBody>
+          <a:bodyPr rtlCol="0" anchor="ctr"/>
+          <a:lstStyle/>
+          <a:p>
+            <a:pPr algn="ctr"/>
+            <a:r>
+              <a:rPr lang="es-CO" sz="1200" dirty="0">
+                <a:solidFill>
+                  <a:schemeClr val="tx1"/>
+                </a:solidFill>
+                <a:latin typeface="Arial" panose="020B0604020202020204" pitchFamily="34" charset="0"/>
+                <a:cs typeface="Arial" panose="020B0604020202020204" pitchFamily="34" charset="0"/>
+              </a:rPr>
+              <a:t>ED: </a:t>
+            </a:r>
+            <a:r>
+              <a:rPr lang="es-CO" sz="1200" dirty="0" smtClean="0">
+                <a:solidFill>
+                  <a:schemeClr val="tx1"/>
+                </a:solidFill>
+                <a:latin typeface="Arial" panose="020B0604020202020204" pitchFamily="34" charset="0"/>
+                <a:cs typeface="Arial" panose="020B0604020202020204" pitchFamily="34" charset="0"/>
+              </a:rPr>
+              <a:t>Mejorar </a:t>
+            </a:r>
+            <a:r>
+              <a:rPr lang="es-CO" sz="1200" dirty="0" smtClean="0">
+                <a:solidFill>
+                  <a:schemeClr val="tx1"/>
+                </a:solidFill>
+                <a:latin typeface="Arial" panose="020B0604020202020204" pitchFamily="34" charset="0"/>
+                <a:cs typeface="Arial" panose="020B0604020202020204" pitchFamily="34" charset="0"/>
+              </a:rPr>
+              <a:t>conocimiento </a:t>
+            </a:r>
+            <a:r>
+              <a:rPr lang="es-CO" sz="1200" dirty="0">
+                <a:solidFill>
+                  <a:schemeClr val="tx1"/>
+                </a:solidFill>
+                <a:latin typeface="Arial" panose="020B0604020202020204" pitchFamily="34" charset="0"/>
+                <a:cs typeface="Arial" panose="020B0604020202020204" pitchFamily="34" charset="0"/>
+              </a:rPr>
+              <a:t>de la destinación de recursos asignados para la primera infancia </a:t>
+            </a:r>
+            <a:endParaRPr lang="es-CO" sz="1200" dirty="0">
+              <a:solidFill>
+                <a:schemeClr val="tx1"/>
+              </a:solidFill>
+              <a:latin typeface="Arial" panose="020B0604020202020204" pitchFamily="34" charset="0"/>
+              <a:cs typeface="Arial" panose="020B0604020202020204" pitchFamily="34" charset="0"/>
+            </a:endParaRPr>
+          </a:p>
+        </p:txBody>
+      </p:sp>
+      <p:sp>
+        <p:nvSpPr>
+          <p:cNvPr id="17" name="Rectángulo: esquinas redondeadas 24">
+            <a:extLst>
+              <a:ext uri="{FF2B5EF4-FFF2-40B4-BE49-F238E27FC236}">
+                <a16:creationId xmlns:a16="http://schemas.microsoft.com/office/drawing/2014/main" id="{9ADC28F0-6165-4CBE-8879-874261E26DD4}"/>
+              </a:ext>
+            </a:extLst>
+          </p:cNvPr>
+          <p:cNvSpPr/>
+          <p:nvPr/>
+        </p:nvSpPr>
+        <p:spPr>
+          <a:xfrm>
+            <a:off x="841514" y="635829"/>
             <a:ext cx="10535478" cy="329648"/>
           </a:xfrm>
           <a:prstGeom prst="roundRect">
